--- a/PASS Marathon_Secure Data Storage_Speaker Template.pptx
+++ b/PASS Marathon_Secure Data Storage_Speaker Template.pptx
@@ -333,7 +333,7 @@
           <a:p>
             <a:fld id="{2FDEA226-1950-9346-BBCC-45D214247BC3}" type="datetimeFigureOut">
               <a:rPr lang="en-US" smtClean="0"/>
-              <a:t>4/7/2020</a:t>
+              <a:t>4/15/2020</a:t>
             </a:fld>
             <a:endParaRPr lang="en-US"/>
           </a:p>
@@ -433,7 +433,7 @@
           <a:p>
             <a:fld id="{A76353FC-0869-45D3-95AF-CC29198471C2}" type="datetimeFigureOut">
               <a:rPr lang="en-US" smtClean="0"/>
-              <a:t>4/7/2020</a:t>
+              <a:t>4/15/2020</a:t>
             </a:fld>
             <a:endParaRPr lang="en-US"/>
           </a:p>
@@ -11006,7 +11006,7 @@
 
 <file path=ppt/slideLayouts/slideLayout21.xml><?xml version="1.0" encoding="utf-8"?>
 <p:sldLayout xmlns:a="http://schemas.openxmlformats.org/drawingml/2006/main" xmlns:r="http://schemas.openxmlformats.org/officeDocument/2006/relationships" xmlns:p="http://schemas.openxmlformats.org/presentationml/2006/main" preserve="1" userDrawn="1">
-  <p:cSld name="1_Two Up">
+  <p:cSld name="Comparison">
     <p:spTree>
       <p:nvGrpSpPr>
         <p:cNvPr id="1" name=""/>
@@ -28696,7 +28696,7 @@
 
 <file path=ppt/slideLayouts/slideLayout6.xml><?xml version="1.0" encoding="utf-8"?>
 <p:sldLayout xmlns:a="http://schemas.openxmlformats.org/drawingml/2006/main" xmlns:r="http://schemas.openxmlformats.org/officeDocument/2006/relationships" xmlns:p="http://schemas.openxmlformats.org/presentationml/2006/main" preserve="1" userDrawn="1">
-  <p:cSld name="Two Up">
+  <p:cSld name="Two Content">
     <p:spTree>
       <p:nvGrpSpPr>
         <p:cNvPr id="1" name=""/>
